--- a/日本ゲーム大賞2022応募説明/操作説明_フォーマット2022/2_操作方法フォーマット2022.pptx
+++ b/日本ゲーム大賞2022応募説明/操作説明_フォーマット2022/2_操作方法フォーマット2022.pptx
@@ -3910,7 +3910,7 @@
           <p:nvPr>
             <p:extLst>
               <p:ext uri="{D42A27DB-BD31-4B8C-83A1-F6EECF244321}">
-                <p14:modId xmlns:p14="http://schemas.microsoft.com/office/powerpoint/2010/main" val="2397030849"/>
+                <p14:modId xmlns:p14="http://schemas.microsoft.com/office/powerpoint/2010/main" val="249134125"/>
               </p:ext>
             </p:extLst>
           </p:nvPr>
@@ -4740,7 +4740,7 @@
                           <a:ea typeface="ＭＳ Ｐゴシック" charset="-128"/>
                           <a:cs typeface="+mn-cs"/>
                         </a:rPr>
-                        <a:t>□</a:t>
+                        <a:t>☑</a:t>
                       </a:r>
                       <a:r>
                         <a:rPr kumimoji="1" lang="ja-JP" altLang="en-US" sz="1100" b="0" i="0" u="none" strike="noStrike" cap="none" normalizeH="0" baseline="0" dirty="0">

--- a/日本ゲーム大賞2022応募説明/操作説明_フォーマット2022/2_操作方法フォーマット2022.pptx
+++ b/日本ゲーム大賞2022応募説明/操作説明_フォーマット2022/2_操作方法フォーマット2022.pptx
@@ -3910,7 +3910,7 @@
           <p:nvPr>
             <p:extLst>
               <p:ext uri="{D42A27DB-BD31-4B8C-83A1-F6EECF244321}">
-                <p14:modId xmlns:p14="http://schemas.microsoft.com/office/powerpoint/2010/main" val="249134125"/>
+                <p14:modId xmlns:p14="http://schemas.microsoft.com/office/powerpoint/2010/main" val="2397030849"/>
               </p:ext>
             </p:extLst>
           </p:nvPr>
@@ -4740,7 +4740,7 @@
                           <a:ea typeface="ＭＳ Ｐゴシック" charset="-128"/>
                           <a:cs typeface="+mn-cs"/>
                         </a:rPr>
-                        <a:t>☑</a:t>
+                        <a:t>□</a:t>
                       </a:r>
                       <a:r>
                         <a:rPr kumimoji="1" lang="ja-JP" altLang="en-US" sz="1100" b="0" i="0" u="none" strike="noStrike" cap="none" normalizeH="0" baseline="0" dirty="0">

--- a/日本ゲーム大賞2022応募説明/操作説明_フォーマット2022/2_操作方法フォーマット2022.pptx
+++ b/日本ゲーム大賞2022応募説明/操作説明_フォーマット2022/2_操作方法フォーマット2022.pptx
@@ -3910,7 +3910,7 @@
           <p:nvPr>
             <p:extLst>
               <p:ext uri="{D42A27DB-BD31-4B8C-83A1-F6EECF244321}">
-                <p14:modId xmlns:p14="http://schemas.microsoft.com/office/powerpoint/2010/main" val="2397030849"/>
+                <p14:modId xmlns:p14="http://schemas.microsoft.com/office/powerpoint/2010/main" val="1724829638"/>
               </p:ext>
             </p:extLst>
           </p:nvPr>
@@ -4714,7 +4714,7 @@
                         <a:defRPr/>
                       </a:pPr>
                       <a:r>
-                        <a:rPr kumimoji="1" lang="ja-JP" altLang="en-US" sz="1100" b="0" i="0" u="none" strike="noStrike" cap="none" normalizeH="0" baseline="0" dirty="0">
+                        <a:rPr kumimoji="1" lang="ja-JP" altLang="en-US" sz="1100" b="0" i="0" u="none" strike="noStrike" cap="none" normalizeH="0" baseline="0">
                           <a:ln>
                             <a:noFill/>
                           </a:ln>
@@ -4728,7 +4728,7 @@
                         <a:t>　</a:t>
                       </a:r>
                       <a:r>
-                        <a:rPr kumimoji="1" lang="ja-JP" altLang="en-US" sz="1100" b="0" i="0" u="none" strike="noStrike" kern="1200" cap="none" normalizeH="0" baseline="0" dirty="0">
+                        <a:rPr kumimoji="1" lang="ja-JP" altLang="en-US" sz="1100" b="0" i="0" u="none" strike="noStrike" kern="1200" cap="none" normalizeH="0" baseline="0">
                           <a:ln>
                             <a:noFill/>
                           </a:ln>
@@ -4740,10 +4740,10 @@
                           <a:ea typeface="ＭＳ Ｐゴシック" charset="-128"/>
                           <a:cs typeface="+mn-cs"/>
                         </a:rPr>
-                        <a:t>□</a:t>
+                        <a:t>☑</a:t>
                       </a:r>
                       <a:r>
-                        <a:rPr kumimoji="1" lang="ja-JP" altLang="en-US" sz="1100" b="0" i="0" u="none" strike="noStrike" cap="none" normalizeH="0" baseline="0" dirty="0">
+                        <a:rPr kumimoji="1" lang="ja-JP" altLang="en-US" sz="1100" b="0" i="0" u="none" strike="noStrike" cap="none" normalizeH="0" baseline="0">
                           <a:ln>
                             <a:noFill/>
                           </a:ln>
